--- a/SE2021-G003-需求分析/SE2021-G003-需求分析(1).pptx
+++ b/SE2021-G003-需求分析/SE2021-G003-需求分析(1).pptx
@@ -36,20 +36,20 @@
       <p:regular r:id="rId21"/>
     </p:embeddedFont>
     <p:embeddedFont>
+      <p:font typeface="华文细黑" panose="02010600040101010101" pitchFamily="2" charset="-122"/>
+      <p:regular r:id="rId22"/>
+    </p:embeddedFont>
+    <p:embeddedFont>
       <p:font typeface="Arial Black" panose="020B0A04020102020204" pitchFamily="34" charset="0"/>
-      <p:regular r:id="rId22"/>
-      <p:bold r:id="rId23"/>
+      <p:regular r:id="rId23"/>
+      <p:bold r:id="rId24"/>
     </p:embeddedFont>
     <p:embeddedFont>
       <p:font typeface="Arial Narrow" panose="020B0606020202030204" pitchFamily="34" charset="0"/>
-      <p:regular r:id="rId24"/>
-      <p:bold r:id="rId25"/>
-      <p:italic r:id="rId26"/>
-      <p:boldItalic r:id="rId27"/>
-    </p:embeddedFont>
-    <p:embeddedFont>
-      <p:font typeface="华文细黑" panose="02010600040101010101" pitchFamily="2" charset="-122"/>
-      <p:regular r:id="rId28"/>
+      <p:regular r:id="rId25"/>
+      <p:bold r:id="rId26"/>
+      <p:italic r:id="rId27"/>
+      <p:boldItalic r:id="rId28"/>
     </p:embeddedFont>
   </p:embeddedFontLst>
   <p:defaultTextStyle>
@@ -10020,7 +10020,7 @@
         </p:blipFill>
         <p:spPr>
           <a:xfrm>
-            <a:off x="472826" y="1032912"/>
+            <a:off x="418928" y="961890"/>
             <a:ext cx="3379955" cy="5826760"/>
           </a:xfrm>
           <a:prstGeom prst="rect">
@@ -10050,7 +10050,7 @@
         </p:blipFill>
         <p:spPr>
           <a:xfrm>
-            <a:off x="4062691" y="1196151"/>
+            <a:off x="4035742" y="811932"/>
             <a:ext cx="3398211" cy="5661849"/>
           </a:xfrm>
           <a:prstGeom prst="rect">
@@ -10080,7 +10080,7 @@
         </p:blipFill>
         <p:spPr>
           <a:xfrm>
-            <a:off x="7670812" y="275664"/>
+            <a:off x="7552382" y="202025"/>
             <a:ext cx="3353524" cy="3226975"/>
           </a:xfrm>
           <a:prstGeom prst="rect">
@@ -10170,7 +10170,7 @@
         </p:blipFill>
         <p:spPr>
           <a:xfrm>
-            <a:off x="7581549" y="3361764"/>
+            <a:off x="7461902" y="3429000"/>
             <a:ext cx="3590383" cy="4399579"/>
           </a:xfrm>
           <a:prstGeom prst="rect">
@@ -11619,7 +11619,7 @@
         </p:blipFill>
         <p:spPr>
           <a:xfrm>
-            <a:off x="1565265" y="532231"/>
+            <a:off x="2049587" y="360423"/>
             <a:ext cx="9382714" cy="6109991"/>
           </a:xfrm>
           <a:prstGeom prst="rect">
